--- a/软工开题.pptx
+++ b/软工开题.pptx
@@ -12643,7 +12643,7 @@
         <p:spPr>
           <a:xfrm>
             <a:off x="518160" y="5300980"/>
-            <a:ext cx="2536825" cy="699770"/>
+            <a:ext cx="3924300" cy="699770"/>
           </a:xfrm>
         </p:spPr>
         <p:txBody>
@@ -12660,7 +12660,11 @@
           <a:p>
             <a:r>
               <a:rPr lang="zh-CN" altLang="en-US" sz="1800"/>
-              <a:t>组名：</a:t>
+              <a:t>组名：为什么项目总是做不完</a:t>
+            </a:r>
+            <a:r>
+              <a:rPr lang="zh-CN" altLang="en-US" sz="1800"/>
+              <a:t>组</a:t>
             </a:r>
             <a:endParaRPr lang="zh-CN" altLang="en-US" sz="1800"/>
           </a:p>
